--- a/1.Loeng/1. loengu esitlus.pptx
+++ b/1.Loeng/1. loengu esitlus.pptx
@@ -16,7 +16,6 @@
     <p:sldId id="261" r:id="rId13"/>
     <p:sldId id="262" r:id="rId14"/>
     <p:sldId id="263" r:id="rId15"/>
-    <p:sldId id="264" r:id="rId16"/>
   </p:sldIdLst>
   <p:sldSz cx="24384000" cy="13716000"/>
   <p:notesSz cx="6858000" cy="9144000"/>
@@ -3859,7 +3858,7 @@
         <p:spPr>
           <a:xfrm>
             <a:off x="1201340" y="11629071"/>
-            <a:ext cx="21697075" cy="867770"/>
+            <a:ext cx="21697075" cy="867771"/>
           </a:xfrm>
           <a:prstGeom prst="rect">
             <a:avLst/>
@@ -3923,8 +3922,8 @@
         </p:blipFill>
         <p:spPr>
           <a:xfrm>
-            <a:off x="20710031" y="10674183"/>
-            <a:ext cx="2736617" cy="2501197"/>
+            <a:off x="20710030" y="10674184"/>
+            <a:ext cx="2736617" cy="2501196"/>
           </a:xfrm>
           <a:prstGeom prst="rect">
             <a:avLst/>
@@ -4525,8 +4524,8 @@
         </p:blipFill>
         <p:spPr>
           <a:xfrm>
-            <a:off x="19148424" y="1142241"/>
-            <a:ext cx="3360668" cy="3360668"/>
+            <a:off x="19148425" y="1142241"/>
+            <a:ext cx="3360667" cy="3360668"/>
           </a:xfrm>
           <a:prstGeom prst="rect">
             <a:avLst/>
@@ -4917,7 +4916,7 @@
               <a:defRPr sz="2277"/>
             </a:pPr>
             <a:r>
-              <a:t>Sisesta repositooriumi nimeks "kood".</a:t>
+              <a:t>Sisesta repositooriumi nimeks “kood_(perekonna nimi)”.</a:t>
             </a:r>
           </a:p>
           <a:p>
@@ -4929,31 +4928,20 @@
             </a:pPr>
             <a:r>
               <a:t>Vali "Public" ja kliki "Create repository".</a:t>
-            </a:r>
-          </a:p>
-          <a:p>
-            <a:pPr marL="603503" indent="-603503" defTabSz="2413955">
-              <a:spcBef>
-                <a:spcPts val="4400"/>
-              </a:spcBef>
-              <a:defRPr b="1" sz="2277"/>
-            </a:pPr>
-            <a:r>
-              <a:t>Esimene Push GitHubi:</a:t>
             </a:r>
           </a:p>
         </p:txBody>
       </p:sp>
       <p:sp>
         <p:nvSpPr>
-          <p:cNvPr id="176" name="Ava VS Code ja loo uus fail.…"/>
+          <p:cNvPr id="176" name="Ava Terminal ja sisesta järgmised käsklused.…"/>
           <p:cNvSpPr txBox="1"/>
           <p:nvPr/>
         </p:nvSpPr>
         <p:spPr>
           <a:xfrm>
-            <a:off x="12507901" y="2558913"/>
-            <a:ext cx="11040865" cy="10265048"/>
+            <a:off x="12507900" y="3005077"/>
+            <a:ext cx="11040865" cy="9372719"/>
           </a:xfrm>
           <a:prstGeom prst="rect">
             <a:avLst/>
@@ -4989,7 +4977,7 @@
               </a:defRPr>
             </a:pPr>
             <a:r>
-              <a:t>Ava VS Code ja loo uus fail.</a:t>
+              <a:t>Ava Terminal ja sisesta järgmised käsklused.</a:t>
             </a:r>
           </a:p>
           <a:p>
@@ -5009,7 +4997,7 @@
               </a:defRPr>
             </a:pPr>
             <a:r>
-              <a:t>Salvesta fail oma arvutisse.</a:t>
+              <a:t>cd desktop</a:t>
             </a:r>
           </a:p>
           <a:p>
@@ -5029,7 +5017,7 @@
               </a:defRPr>
             </a:pPr>
             <a:r>
-              <a:t>Ava integreeritud terminal VS Code’is.</a:t>
+              <a:t>git clone {Sinu githubi repo URL}</a:t>
             </a:r>
           </a:p>
           <a:p>
@@ -5049,6 +5037,26 @@
               </a:defRPr>
             </a:pPr>
             <a:r>
+              <a:t>Lisa koodi kausta uus kaust nimega “1. loeng”</a:t>
+            </a:r>
+          </a:p>
+          <a:p>
+            <a:pPr marL="1540042" indent="-1540042" algn="l">
+              <a:lnSpc>
+                <a:spcPct val="90000"/>
+              </a:lnSpc>
+              <a:spcBef>
+                <a:spcPts val="4500"/>
+              </a:spcBef>
+              <a:buSzPct val="123000"/>
+              <a:buChar char="•"/>
+              <a:defRPr b="1" sz="2300">
+                <a:solidFill>
+                  <a:srgbClr val="000000"/>
+                </a:solidFill>
+              </a:defRPr>
+            </a:pPr>
+            <a:r>
               <a:t>Kasuta järgmisi Git käsklusi:</a:t>
             </a:r>
           </a:p>
@@ -5069,7 +5077,7 @@
               </a:defRPr>
             </a:pPr>
             <a:r>
-              <a:t>git init</a:t>
+              <a:t>git add .</a:t>
             </a:r>
           </a:p>
           <a:p>
@@ -5089,11 +5097,11 @@
               </a:defRPr>
             </a:pPr>
             <a:r>
-              <a:t>git add .</a:t>
-            </a:r>
-          </a:p>
-          <a:p>
-            <a:pPr lvl="1" marL="2149642" indent="-1540042" algn="l">
+              <a:t>git commit -m "Esimene commit"</a:t>
+            </a:r>
+          </a:p>
+          <a:p>
+            <a:pPr lvl="1" marL="1400432" indent="-790832" algn="l">
               <a:lnSpc>
                 <a:spcPct val="90000"/>
               </a:lnSpc>
@@ -5109,11 +5117,31 @@
               </a:defRPr>
             </a:pPr>
             <a:r>
-              <a:t>git commit -m "Esimene commit"</a:t>
-            </a:r>
-          </a:p>
-          <a:p>
-            <a:pPr lvl="1" marL="2149642" indent="-1540042" algn="l">
+              <a:t>git push -u origin master</a:t>
+            </a:r>
+          </a:p>
+          <a:p>
+            <a:pPr marL="790832" indent="-790832" algn="l">
+              <a:lnSpc>
+                <a:spcPct val="90000"/>
+              </a:lnSpc>
+              <a:spcBef>
+                <a:spcPts val="4500"/>
+              </a:spcBef>
+              <a:buSzPct val="123000"/>
+              <a:buChar char="•"/>
+              <a:defRPr b="1" sz="2300">
+                <a:solidFill>
+                  <a:srgbClr val="000000"/>
+                </a:solidFill>
+              </a:defRPr>
+            </a:pPr>
+            <a:r>
+              <a:t>Kontrolli tulemust:</a:t>
+            </a:r>
+          </a:p>
+          <a:p>
+            <a:pPr lvl="1" marL="1400432" indent="-790832" algn="l">
               <a:lnSpc>
                 <a:spcPct val="90000"/>
               </a:lnSpc>
@@ -5129,7 +5157,7 @@
               </a:defRPr>
             </a:pPr>
             <a:r>
-              <a:t>git remote add origin [sinu GitHubi repo URL]</a:t>
+              <a:t>Mine tagasi GitHubi ja vaata oma "kood" repot.</a:t>
             </a:r>
           </a:p>
           <a:p>
@@ -5149,177 +5177,7 @@
               </a:defRPr>
             </a:pPr>
             <a:r>
-              <a:t>git push -u origin master</a:t>
-            </a:r>
-          </a:p>
-          <a:p>
-            <a:pPr marL="790832" indent="-790832" algn="l">
-              <a:lnSpc>
-                <a:spcPct val="90000"/>
-              </a:lnSpc>
-              <a:spcBef>
-                <a:spcPts val="4500"/>
-              </a:spcBef>
-              <a:buSzPct val="123000"/>
-              <a:buChar char="•"/>
-              <a:defRPr b="1" sz="2300">
-                <a:solidFill>
-                  <a:srgbClr val="000000"/>
-                </a:solidFill>
-              </a:defRPr>
-            </a:pPr>
-            <a:r>
-              <a:t>Kontrolli tulemust:</a:t>
-            </a:r>
-          </a:p>
-          <a:p>
-            <a:pPr lvl="1" marL="1400432" indent="-790832" algn="l">
-              <a:lnSpc>
-                <a:spcPct val="90000"/>
-              </a:lnSpc>
-              <a:spcBef>
-                <a:spcPts val="4500"/>
-              </a:spcBef>
-              <a:buSzPct val="123000"/>
-              <a:buChar char="•"/>
-              <a:defRPr sz="2300">
-                <a:solidFill>
-                  <a:srgbClr val="000000"/>
-                </a:solidFill>
-              </a:defRPr>
-            </a:pPr>
-            <a:r>
-              <a:t>Mine tagasi GitHubi ja vaata oma "kood" repositooriumit.</a:t>
-            </a:r>
-          </a:p>
-          <a:p>
-            <a:pPr lvl="1" marL="1400432" indent="-790832" algn="l">
-              <a:lnSpc>
-                <a:spcPct val="90000"/>
-              </a:lnSpc>
-              <a:spcBef>
-                <a:spcPts val="4500"/>
-              </a:spcBef>
-              <a:buSzPct val="123000"/>
-              <a:buChar char="•"/>
-              <a:defRPr sz="2300">
-                <a:solidFill>
-                  <a:srgbClr val="000000"/>
-                </a:solidFill>
-              </a:defRPr>
-            </a:pPr>
-            <a:r>
               <a:t>Peaksid nägema oma äsja pushitud faile.</a:t>
-            </a:r>
-          </a:p>
-        </p:txBody>
-      </p:sp>
-    </p:spTree>
-  </p:cSld>
-  <p:clrMapOvr>
-    <a:masterClrMapping/>
-  </p:clrMapOvr>
-  <p:transition xmlns:p14="http://schemas.microsoft.com/office/powerpoint/2010/main" spd="med" advClick="1"/>
-</p:sld>
-</file>
-
-<file path=ppt/slides/slide9.xml><?xml version="1.0" encoding="utf-8"?>
-<p:sld xmlns:a="http://schemas.openxmlformats.org/drawingml/2006/main" xmlns:r="http://schemas.openxmlformats.org/officeDocument/2006/relationships" xmlns:p="http://schemas.openxmlformats.org/presentationml/2006/main" xmlns:m="http://schemas.openxmlformats.org/officeDocument/2006/math" xmlns:a14="http://schemas.microsoft.com/office/drawing/2010/main" showMasterSp="1" showMasterPhAnim="1">
-  <p:cSld>
-    <p:spTree>
-      <p:nvGrpSpPr>
-        <p:cNvPr id="1" name=""/>
-        <p:cNvGrpSpPr/>
-        <p:nvPr/>
-      </p:nvGrpSpPr>
-      <p:grpSpPr>
-        <a:xfrm>
-          <a:off x="0" y="0"/>
-          <a:ext cx="0" cy="0"/>
-          <a:chOff x="0" y="0"/>
-          <a:chExt cx="0" cy="0"/>
-        </a:xfrm>
-      </p:grpSpPr>
-      <p:sp>
-        <p:nvSpPr>
-          <p:cNvPr id="178" name="HTML tutvustus"/>
-          <p:cNvSpPr txBox="1"/>
-          <p:nvPr>
-            <p:ph type="title"/>
-          </p:nvPr>
-        </p:nvSpPr>
-        <p:spPr>
-          <a:prstGeom prst="rect">
-            <a:avLst/>
-          </a:prstGeom>
-        </p:spPr>
-        <p:txBody>
-          <a:bodyPr/>
-          <a:lstStyle/>
-          <a:p>
-            <a:pPr/>
-            <a:r>
-              <a:t>HTML tutvustus</a:t>
-            </a:r>
-          </a:p>
-        </p:txBody>
-      </p:sp>
-      <p:sp>
-        <p:nvSpPr>
-          <p:cNvPr id="179" name="HTML - Veebilehtede Keele Alus…"/>
-          <p:cNvSpPr txBox="1"/>
-          <p:nvPr>
-            <p:ph type="body" idx="1"/>
-          </p:nvPr>
-        </p:nvSpPr>
-        <p:spPr>
-          <a:xfrm>
-            <a:off x="1206500" y="3018736"/>
-            <a:ext cx="21971001" cy="8256012"/>
-          </a:xfrm>
-          <a:prstGeom prst="rect">
-            <a:avLst/>
-          </a:prstGeom>
-        </p:spPr>
-        <p:txBody>
-          <a:bodyPr/>
-          <a:lstStyle/>
-          <a:p>
-            <a:pPr/>
-            <a:r>
-              <a:t>HTML - Veebilehtede Keele Alus</a:t>
-            </a:r>
-          </a:p>
-          <a:p>
-            <a:pPr lvl="1">
-              <a:defRPr sz="4200"/>
-            </a:pPr>
-            <a:r>
-              <a:t>Lühend sõnadest "HyperText Markup Language".</a:t>
-            </a:r>
-          </a:p>
-          <a:p>
-            <a:pPr lvl="1">
-              <a:defRPr sz="4200"/>
-            </a:pPr>
-            <a:r>
-              <a:t>Standardne märgistuskeel veebilehtede loomiseks</a:t>
-            </a:r>
-          </a:p>
-          <a:p>
-            <a:pPr marL="609599" indent="-609599">
-              <a:defRPr sz="4200"/>
-            </a:pPr>
-            <a:r>
-              <a:t>Välja töötatud 1990. aastatel Tim Berners-Lee poolt.</a:t>
-            </a:r>
-          </a:p>
-          <a:p>
-            <a:pPr marL="609599" indent="-609599">
-              <a:defRPr sz="4200"/>
-            </a:pPr>
-            <a:r>
-              <a:t>Süntaksi jaoks vt. minu Githubi repost  “HTML cheatsheet”</a:t>
             </a:r>
           </a:p>
         </p:txBody>
